--- a/Mihai Valentin - Agile and Scrum.pptx
+++ b/Mihai Valentin - Agile and Scrum.pptx
@@ -8870,13 +8870,12 @@
           <p:cNvPicPr preferRelativeResize="0"/>
           <p:nvPr/>
         </p:nvPicPr>
-        <p:blipFill>
+        <p:blipFill rotWithShape="1">
           <a:blip r:embed="rId3">
             <a:alphaModFix/>
           </a:blip>
-          <a:stretch>
-            <a:fillRect/>
-          </a:stretch>
+          <a:srcRect b="0" l="0" r="0" t="0"/>
+          <a:stretch/>
         </p:blipFill>
         <p:spPr>
           <a:xfrm>

--- a/Mihai Valentin - Agile and Scrum.pptx
+++ b/Mihai Valentin - Agile and Scrum.pptx
@@ -25,33 +25,34 @@
     <p:sldId id="270" r:id="rId20"/>
     <p:sldId id="271" r:id="rId21"/>
     <p:sldId id="272" r:id="rId22"/>
+    <p:sldId id="273" r:id="rId23"/>
   </p:sldIdLst>
   <p:sldSz cy="5143500" cx="9144000"/>
   <p:notesSz cx="6858000" cy="9144000"/>
   <p:embeddedFontLst>
     <p:embeddedFont>
       <p:font typeface="Montserrat SemiBold"/>
-      <p:regular r:id="rId23"/>
-      <p:bold r:id="rId24"/>
-      <p:italic r:id="rId25"/>
-      <p:boldItalic r:id="rId26"/>
+      <p:regular r:id="rId24"/>
+      <p:bold r:id="rId25"/>
+      <p:italic r:id="rId26"/>
+      <p:boldItalic r:id="rId27"/>
     </p:embeddedFont>
     <p:embeddedFont>
       <p:font typeface="Montserrat Black"/>
-      <p:bold r:id="rId27"/>
-      <p:boldItalic r:id="rId28"/>
+      <p:bold r:id="rId28"/>
+      <p:boldItalic r:id="rId29"/>
     </p:embeddedFont>
     <p:embeddedFont>
       <p:font typeface="Montserrat"/>
-      <p:regular r:id="rId29"/>
-      <p:bold r:id="rId30"/>
-      <p:italic r:id="rId31"/>
-      <p:boldItalic r:id="rId32"/>
+      <p:regular r:id="rId30"/>
+      <p:bold r:id="rId31"/>
+      <p:italic r:id="rId32"/>
+      <p:boldItalic r:id="rId33"/>
     </p:embeddedFont>
     <p:embeddedFont>
       <p:font typeface="Montserrat ExtraBold"/>
-      <p:bold r:id="rId33"/>
-      <p:boldItalic r:id="rId34"/>
+      <p:bold r:id="rId34"/>
+      <p:boldItalic r:id="rId35"/>
     </p:embeddedFont>
   </p:embeddedFontLst>
   <p:defaultTextStyle>
@@ -1242,7 +1243,7 @@
       </p:grpSpPr>
       <p:sp>
         <p:nvSpPr>
-          <p:cNvPr id="143" name="Google Shape;143;g1198da00577_0_17:notes"/>
+          <p:cNvPr id="143" name="Google Shape;143;g11d9e52efe7_0_0:notes"/>
           <p:cNvSpPr/>
           <p:nvPr>
             <p:ph idx="2" type="sldImg"/>
@@ -1277,7 +1278,7 @@
       </p:sp>
       <p:sp>
         <p:nvSpPr>
-          <p:cNvPr id="144" name="Google Shape;144;g1198da00577_0_17:notes"/>
+          <p:cNvPr id="144" name="Google Shape;144;g11d9e52efe7_0_0:notes"/>
           <p:cNvSpPr txBox="1"/>
           <p:nvPr>
             <p:ph idx="1" type="body"/>
@@ -1341,7 +1342,7 @@
       </p:grpSpPr>
       <p:sp>
         <p:nvSpPr>
-          <p:cNvPr id="148" name="Google Shape;148;g1198da00577_0_31:notes"/>
+          <p:cNvPr id="148" name="Google Shape;148;g1198da00577_0_17:notes"/>
           <p:cNvSpPr/>
           <p:nvPr>
             <p:ph idx="2" type="sldImg"/>
@@ -1376,7 +1377,7 @@
       </p:sp>
       <p:sp>
         <p:nvSpPr>
-          <p:cNvPr id="149" name="Google Shape;149;g1198da00577_0_31:notes"/>
+          <p:cNvPr id="149" name="Google Shape;149;g1198da00577_0_17:notes"/>
           <p:cNvSpPr txBox="1"/>
           <p:nvPr>
             <p:ph idx="1" type="body"/>
@@ -1440,7 +1441,7 @@
       </p:grpSpPr>
       <p:sp>
         <p:nvSpPr>
-          <p:cNvPr id="153" name="Google Shape;153;g1198da00577_0_27:notes"/>
+          <p:cNvPr id="153" name="Google Shape;153;g1198da00577_0_31:notes"/>
           <p:cNvSpPr/>
           <p:nvPr>
             <p:ph idx="2" type="sldImg"/>
@@ -1475,7 +1476,7 @@
       </p:sp>
       <p:sp>
         <p:nvSpPr>
-          <p:cNvPr id="154" name="Google Shape;154;g1198da00577_0_27:notes"/>
+          <p:cNvPr id="154" name="Google Shape;154;g1198da00577_0_31:notes"/>
           <p:cNvSpPr txBox="1"/>
           <p:nvPr>
             <p:ph idx="1" type="body"/>
@@ -1525,7 +1526,7 @@
   <p:cSld>
     <p:spTree>
       <p:nvGrpSpPr>
-        <p:cNvPr id="158" name="Shape 158"/>
+        <p:cNvPr id="157" name="Shape 157"/>
         <p:cNvGrpSpPr/>
         <p:nvPr/>
       </p:nvGrpSpPr>
@@ -1539,7 +1540,7 @@
       </p:grpSpPr>
       <p:sp>
         <p:nvSpPr>
-          <p:cNvPr id="159" name="Google Shape;159;g1198da00577_0_35:notes"/>
+          <p:cNvPr id="158" name="Google Shape;158;g1198da00577_0_27:notes"/>
           <p:cNvSpPr/>
           <p:nvPr>
             <p:ph idx="2" type="sldImg"/>
@@ -1574,7 +1575,106 @@
       </p:sp>
       <p:sp>
         <p:nvSpPr>
-          <p:cNvPr id="160" name="Google Shape;160;g1198da00577_0_35:notes"/>
+          <p:cNvPr id="159" name="Google Shape;159;g1198da00577_0_27:notes"/>
+          <p:cNvSpPr txBox="1"/>
+          <p:nvPr>
+            <p:ph idx="1" type="body"/>
+          </p:nvPr>
+        </p:nvSpPr>
+        <p:spPr>
+          <a:xfrm>
+            <a:off x="685800" y="4343400"/>
+            <a:ext cx="5486400" cy="4114800"/>
+          </a:xfrm>
+          <a:prstGeom prst="rect">
+            <a:avLst/>
+          </a:prstGeom>
+        </p:spPr>
+        <p:txBody>
+          <a:bodyPr anchorCtr="0" anchor="t" bIns="91425" lIns="91425" spcFirstLastPara="1" rIns="91425" wrap="square" tIns="91425">
+            <a:noAutofit/>
+          </a:bodyPr>
+          <a:lstStyle/>
+          <a:p>
+            <a:pPr indent="0" lvl="0" marL="0" rtl="0" algn="l">
+              <a:spcBef>
+                <a:spcPts val="0"/>
+              </a:spcBef>
+              <a:spcAft>
+                <a:spcPts val="0"/>
+              </a:spcAft>
+              <a:buNone/>
+            </a:pPr>
+            <a:r>
+              <a:t/>
+            </a:r>
+            <a:endParaRPr/>
+          </a:p>
+        </p:txBody>
+      </p:sp>
+    </p:spTree>
+  </p:cSld>
+  <p:clrMapOvr>
+    <a:masterClrMapping/>
+  </p:clrMapOvr>
+</p:notes>
+</file>
+
+<file path=ppt/notesSlides/notesSlide18.xml><?xml version="1.0" encoding="utf-8"?>
+<p:notes xmlns:a="http://schemas.openxmlformats.org/drawingml/2006/main" xmlns:r="http://schemas.openxmlformats.org/officeDocument/2006/relationships" xmlns:mc="http://schemas.openxmlformats.org/markup-compatibility/2006" xmlns:mv="urn:schemas-microsoft-com:mac:vml" xmlns:p="http://schemas.openxmlformats.org/presentationml/2006/main" xmlns:c="http://schemas.openxmlformats.org/drawingml/2006/chart" xmlns:dgm="http://schemas.openxmlformats.org/drawingml/2006/diagram" xmlns:o="urn:schemas-microsoft-com:office:office" xmlns:v="urn:schemas-microsoft-com:vml" xmlns:pvml="urn:schemas-microsoft-com:office:powerpoint" xmlns:com="http://schemas.openxmlformats.org/drawingml/2006/compatibility" xmlns:p14="http://schemas.microsoft.com/office/powerpoint/2010/main" xmlns:p15="http://schemas.microsoft.com/office/powerpoint/2012/main" xmlns:ahyp="http://schemas.microsoft.com/office/drawing/2018/hyperlinkcolor" showMasterPhAnim="0" showMasterSp="0">
+  <p:cSld>
+    <p:spTree>
+      <p:nvGrpSpPr>
+        <p:cNvPr id="163" name="Shape 163"/>
+        <p:cNvGrpSpPr/>
+        <p:nvPr/>
+      </p:nvGrpSpPr>
+      <p:grpSpPr>
+        <a:xfrm>
+          <a:off x="0" y="0"/>
+          <a:ext cx="0" cy="0"/>
+          <a:chOff x="0" y="0"/>
+          <a:chExt cx="0" cy="0"/>
+        </a:xfrm>
+      </p:grpSpPr>
+      <p:sp>
+        <p:nvSpPr>
+          <p:cNvPr id="164" name="Google Shape;164;g1198da00577_0_35:notes"/>
+          <p:cNvSpPr/>
+          <p:nvPr>
+            <p:ph idx="2" type="sldImg"/>
+          </p:nvPr>
+        </p:nvSpPr>
+        <p:spPr>
+          <a:xfrm>
+            <a:off x="381300" y="685800"/>
+            <a:ext cx="6096000" cy="3429000"/>
+          </a:xfrm>
+          <a:custGeom>
+            <a:rect b="b" l="l" r="r" t="t"/>
+            <a:pathLst>
+              <a:path extrusionOk="0" h="120000" w="120000">
+                <a:moveTo>
+                  <a:pt x="0" y="0"/>
+                </a:moveTo>
+                <a:lnTo>
+                  <a:pt x="120000" y="0"/>
+                </a:lnTo>
+                <a:lnTo>
+                  <a:pt x="120000" y="120000"/>
+                </a:lnTo>
+                <a:lnTo>
+                  <a:pt x="0" y="120000"/>
+                </a:lnTo>
+                <a:close/>
+              </a:path>
+            </a:pathLst>
+          </a:custGeom>
+        </p:spPr>
+      </p:sp>
+      <p:sp>
+        <p:nvSpPr>
+          <p:cNvPr id="165" name="Google Shape;165;g1198da00577_0_35:notes"/>
           <p:cNvSpPr txBox="1"/>
           <p:nvPr>
             <p:ph idx="1" type="body"/>
@@ -8570,13 +8670,13 @@
         <a:gradFill>
           <a:gsLst>
             <a:gs pos="0">
-              <a:srgbClr val="FF2975"/>
+              <a:srgbClr val="BABABA"/>
             </a:gs>
             <a:gs pos="50000">
-              <a:srgbClr val="F222FF"/>
+              <a:srgbClr val="7F7F7F"/>
             </a:gs>
             <a:gs pos="100000">
-              <a:srgbClr val="8C1EFF"/>
+              <a:srgbClr val="D7D7D7"/>
             </a:gs>
           </a:gsLst>
           <a:path path="circle">
@@ -8603,6 +8703,108 @@
       <p:sp>
         <p:nvSpPr>
           <p:cNvPr id="146" name="Google Shape;146;p26"/>
+          <p:cNvSpPr txBox="1"/>
+          <p:nvPr>
+            <p:ph type="title"/>
+          </p:nvPr>
+        </p:nvSpPr>
+        <p:spPr>
+          <a:xfrm>
+            <a:off x="0" y="1660800"/>
+            <a:ext cx="9144000" cy="1821900"/>
+          </a:xfrm>
+          <a:prstGeom prst="rect">
+            <a:avLst/>
+          </a:prstGeom>
+        </p:spPr>
+        <p:txBody>
+          <a:bodyPr anchorCtr="0" anchor="t" bIns="91425" lIns="91425" spcFirstLastPara="1" rIns="91425" wrap="square" tIns="91425">
+            <a:noAutofit/>
+          </a:bodyPr>
+          <a:lstStyle/>
+          <a:p>
+            <a:pPr indent="0" lvl="0" marL="0" rtl="0" algn="ctr">
+              <a:spcBef>
+                <a:spcPts val="0"/>
+              </a:spcBef>
+              <a:spcAft>
+                <a:spcPts val="0"/>
+              </a:spcAft>
+              <a:buNone/>
+            </a:pPr>
+            <a:r>
+              <a:rPr lang="ru" sz="10000">
+                <a:solidFill>
+                  <a:schemeClr val="lt1"/>
+                </a:solidFill>
+                <a:latin typeface="Montserrat ExtraBold"/>
+                <a:ea typeface="Montserrat ExtraBold"/>
+                <a:cs typeface="Montserrat ExtraBold"/>
+                <a:sym typeface="Montserrat ExtraBold"/>
+              </a:rPr>
+              <a:t>BUT …</a:t>
+            </a:r>
+            <a:endParaRPr sz="10000">
+              <a:solidFill>
+                <a:schemeClr val="lt1"/>
+              </a:solidFill>
+              <a:latin typeface="Montserrat ExtraBold"/>
+              <a:ea typeface="Montserrat ExtraBold"/>
+              <a:cs typeface="Montserrat ExtraBold"/>
+              <a:sym typeface="Montserrat ExtraBold"/>
+            </a:endParaRPr>
+          </a:p>
+        </p:txBody>
+      </p:sp>
+    </p:spTree>
+  </p:cSld>
+  <p:clrMapOvr>
+    <a:masterClrMapping/>
+  </p:clrMapOvr>
+</p:sld>
+</file>
+
+<file path=ppt/slides/slide15.xml><?xml version="1.0" encoding="utf-8"?>
+<p:sld xmlns:a="http://schemas.openxmlformats.org/drawingml/2006/main" xmlns:r="http://schemas.openxmlformats.org/officeDocument/2006/relationships" xmlns:mc="http://schemas.openxmlformats.org/markup-compatibility/2006" xmlns:mv="urn:schemas-microsoft-com:mac:vml" xmlns:p="http://schemas.openxmlformats.org/presentationml/2006/main" xmlns:c="http://schemas.openxmlformats.org/drawingml/2006/chart" xmlns:dgm="http://schemas.openxmlformats.org/drawingml/2006/diagram" xmlns:o="urn:schemas-microsoft-com:office:office" xmlns:v="urn:schemas-microsoft-com:vml" xmlns:pvml="urn:schemas-microsoft-com:office:powerpoint" xmlns:com="http://schemas.openxmlformats.org/drawingml/2006/compatibility" xmlns:p14="http://schemas.microsoft.com/office/powerpoint/2010/main" xmlns:p15="http://schemas.microsoft.com/office/powerpoint/2012/main" xmlns:ahyp="http://schemas.microsoft.com/office/drawing/2018/hyperlinkcolor">
+  <p:cSld>
+    <p:bg>
+      <p:bgPr>
+        <a:gradFill>
+          <a:gsLst>
+            <a:gs pos="0">
+              <a:srgbClr val="FF2975"/>
+            </a:gs>
+            <a:gs pos="50000">
+              <a:srgbClr val="F222FF"/>
+            </a:gs>
+            <a:gs pos="100000">
+              <a:srgbClr val="8C1EFF"/>
+            </a:gs>
+          </a:gsLst>
+          <a:path path="circle">
+            <a:fillToRect b="100%" l="100%"/>
+          </a:path>
+          <a:tileRect r="-100%" t="-100%"/>
+        </a:gradFill>
+      </p:bgPr>
+    </p:bg>
+    <p:spTree>
+      <p:nvGrpSpPr>
+        <p:cNvPr id="150" name="Shape 150"/>
+        <p:cNvGrpSpPr/>
+        <p:nvPr/>
+      </p:nvGrpSpPr>
+      <p:grpSpPr>
+        <a:xfrm>
+          <a:off x="0" y="0"/>
+          <a:ext cx="0" cy="0"/>
+          <a:chOff x="0" y="0"/>
+          <a:chExt cx="0" cy="0"/>
+        </a:xfrm>
+      </p:grpSpPr>
+      <p:sp>
+        <p:nvSpPr>
+          <p:cNvPr id="151" name="Google Shape;151;p27"/>
           <p:cNvSpPr txBox="1"/>
           <p:nvPr/>
         </p:nvSpPr>
@@ -8666,7 +8868,7 @@
 </p:sld>
 </file>
 
-<file path=ppt/slides/slide15.xml><?xml version="1.0" encoding="utf-8"?>
+<file path=ppt/slides/slide16.xml><?xml version="1.0" encoding="utf-8"?>
 <p:sld xmlns:a="http://schemas.openxmlformats.org/drawingml/2006/main" xmlns:r="http://schemas.openxmlformats.org/officeDocument/2006/relationships" xmlns:mc="http://schemas.openxmlformats.org/markup-compatibility/2006" xmlns:mv="urn:schemas-microsoft-com:mac:vml" xmlns:p="http://schemas.openxmlformats.org/presentationml/2006/main" xmlns:c="http://schemas.openxmlformats.org/drawingml/2006/chart" xmlns:dgm="http://schemas.openxmlformats.org/drawingml/2006/diagram" xmlns:o="urn:schemas-microsoft-com:office:office" xmlns:v="urn:schemas-microsoft-com:vml" xmlns:pvml="urn:schemas-microsoft-com:office:powerpoint" xmlns:com="http://schemas.openxmlformats.org/drawingml/2006/compatibility" xmlns:p14="http://schemas.microsoft.com/office/powerpoint/2010/main" xmlns:p15="http://schemas.microsoft.com/office/powerpoint/2012/main" xmlns:ahyp="http://schemas.microsoft.com/office/drawing/2018/hyperlinkcolor">
   <p:cSld>
     <p:bg>
@@ -8692,7 +8894,7 @@
     </p:bg>
     <p:spTree>
       <p:nvGrpSpPr>
-        <p:cNvPr id="150" name="Shape 150"/>
+        <p:cNvPr id="155" name="Shape 155"/>
         <p:cNvGrpSpPr/>
         <p:nvPr/>
       </p:nvGrpSpPr>
@@ -8706,7 +8908,7 @@
       </p:grpSpPr>
       <p:sp>
         <p:nvSpPr>
-          <p:cNvPr id="151" name="Google Shape;151;p27"/>
+          <p:cNvPr id="156" name="Google Shape;156;p28"/>
           <p:cNvSpPr txBox="1"/>
           <p:nvPr>
             <p:ph type="title"/>
@@ -8768,7 +8970,7 @@
 </p:sld>
 </file>
 
-<file path=ppt/slides/slide16.xml><?xml version="1.0" encoding="utf-8"?>
+<file path=ppt/slides/slide17.xml><?xml version="1.0" encoding="utf-8"?>
 <p:sld xmlns:a="http://schemas.openxmlformats.org/drawingml/2006/main" xmlns:r="http://schemas.openxmlformats.org/officeDocument/2006/relationships" xmlns:mc="http://schemas.openxmlformats.org/markup-compatibility/2006" xmlns:mv="urn:schemas-microsoft-com:mac:vml" xmlns:p="http://schemas.openxmlformats.org/presentationml/2006/main" xmlns:c="http://schemas.openxmlformats.org/drawingml/2006/chart" xmlns:dgm="http://schemas.openxmlformats.org/drawingml/2006/diagram" xmlns:o="urn:schemas-microsoft-com:office:office" xmlns:v="urn:schemas-microsoft-com:vml" xmlns:pvml="urn:schemas-microsoft-com:office:powerpoint" xmlns:com="http://schemas.openxmlformats.org/drawingml/2006/compatibility" xmlns:p14="http://schemas.microsoft.com/office/powerpoint/2010/main" xmlns:p15="http://schemas.microsoft.com/office/powerpoint/2012/main" xmlns:ahyp="http://schemas.microsoft.com/office/drawing/2018/hyperlinkcolor">
   <p:cSld>
     <p:bg>
@@ -8794,7 +8996,7 @@
     </p:bg>
     <p:spTree>
       <p:nvGrpSpPr>
-        <p:cNvPr id="155" name="Shape 155"/>
+        <p:cNvPr id="160" name="Shape 160"/>
         <p:cNvGrpSpPr/>
         <p:nvPr/>
       </p:nvGrpSpPr>
@@ -8808,7 +9010,7 @@
       </p:grpSpPr>
       <p:sp>
         <p:nvSpPr>
-          <p:cNvPr id="156" name="Google Shape;156;p28"/>
+          <p:cNvPr id="161" name="Google Shape;161;p29"/>
           <p:cNvSpPr txBox="1"/>
           <p:nvPr/>
         </p:nvSpPr>
@@ -8866,7 +9068,7 @@
       </p:sp>
       <p:pic>
         <p:nvPicPr>
-          <p:cNvPr id="157" name="Google Shape;157;p28"/>
+          <p:cNvPr id="162" name="Google Shape;162;p29"/>
           <p:cNvPicPr preferRelativeResize="0"/>
           <p:nvPr/>
         </p:nvPicPr>
@@ -8899,7 +9101,7 @@
 </p:sld>
 </file>
 
-<file path=ppt/slides/slide17.xml><?xml version="1.0" encoding="utf-8"?>
+<file path=ppt/slides/slide18.xml><?xml version="1.0" encoding="utf-8"?>
 <p:sld xmlns:a="http://schemas.openxmlformats.org/drawingml/2006/main" xmlns:r="http://schemas.openxmlformats.org/officeDocument/2006/relationships" xmlns:mc="http://schemas.openxmlformats.org/markup-compatibility/2006" xmlns:mv="urn:schemas-microsoft-com:mac:vml" xmlns:p="http://schemas.openxmlformats.org/presentationml/2006/main" xmlns:c="http://schemas.openxmlformats.org/drawingml/2006/chart" xmlns:dgm="http://schemas.openxmlformats.org/drawingml/2006/diagram" xmlns:o="urn:schemas-microsoft-com:office:office" xmlns:v="urn:schemas-microsoft-com:vml" xmlns:pvml="urn:schemas-microsoft-com:office:powerpoint" xmlns:com="http://schemas.openxmlformats.org/drawingml/2006/compatibility" xmlns:p14="http://schemas.microsoft.com/office/powerpoint/2010/main" xmlns:p15="http://schemas.microsoft.com/office/powerpoint/2012/main" xmlns:ahyp="http://schemas.microsoft.com/office/drawing/2018/hyperlinkcolor">
   <p:cSld>
     <p:bg>
@@ -8925,7 +9127,7 @@
     </p:bg>
     <p:spTree>
       <p:nvGrpSpPr>
-        <p:cNvPr id="161" name="Shape 161"/>
+        <p:cNvPr id="166" name="Shape 166"/>
         <p:cNvGrpSpPr/>
         <p:nvPr/>
       </p:nvGrpSpPr>
@@ -8939,7 +9141,7 @@
       </p:grpSpPr>
       <p:pic>
         <p:nvPicPr>
-          <p:cNvPr id="162" name="Google Shape;162;p29"/>
+          <p:cNvPr id="167" name="Google Shape;167;p30"/>
           <p:cNvPicPr preferRelativeResize="0"/>
           <p:nvPr/>
         </p:nvPicPr>
